--- a/misc/orientation.pptx
+++ b/misc/orientation.pptx
@@ -116,6 +116,10 @@
     </p:ext>
   </p:extLst>
 </p:presentation>
+</file>
+
+<file path=ppt/revisionInfo.xml><?xml version="1.0" encoding="utf-8"?>
+<p1510:revInfo xmlns:a="http://schemas.openxmlformats.org/drawingml/2006/main" xmlns:r="http://schemas.openxmlformats.org/officeDocument/2006/relationships" xmlns:p1510="http://schemas.microsoft.com/office/powerpoint/2015/10/main"/>
 </file>
 
 <file path=ppt/handoutMasters/handoutMaster1.xml><?xml version="1.0" encoding="utf-8"?>
@@ -3824,8 +3828,8 @@
         </p:nvSpPr>
         <p:spPr>
           <a:xfrm>
-            <a:off x="1186585" y="133695"/>
-            <a:ext cx="7532831" cy="1092607"/>
+            <a:off x="336191" y="254015"/>
+            <a:ext cx="9233618" cy="1323439"/>
           </a:xfrm>
           <a:prstGeom prst="rect">
             <a:avLst/>
@@ -3847,26 +3851,62 @@
               </a:spcAft>
             </a:pPr>
             <a:r>
-              <a:rPr lang="en-US" altLang="ja-JP" sz="6500">
+              <a:rPr lang="en-US" altLang="ja-JP" sz="8000">
                 <a:latin typeface="Meiryo UI" panose="020B0604030504040204" pitchFamily="50" charset="-128"/>
                 <a:ea typeface="Meiryo UI" panose="020B0604030504040204" pitchFamily="50" charset="-128"/>
               </a:rPr>
               <a:t>4/12</a:t>
             </a:r>
             <a:r>
-              <a:rPr lang="ja-JP" altLang="en-US" sz="6500">
+              <a:rPr lang="ja-JP" altLang="en-US" sz="8000">
                 <a:latin typeface="Meiryo UI" panose="020B0604030504040204" pitchFamily="50" charset="-128"/>
                 <a:ea typeface="Meiryo UI" panose="020B0604030504040204" pitchFamily="50" charset="-128"/>
               </a:rPr>
               <a:t>オリエンテーション</a:t>
             </a:r>
-            <a:endParaRPr lang="en-US" altLang="ja-JP" sz="6500" dirty="0">
+            <a:endParaRPr lang="en-US" altLang="ja-JP" sz="8000" dirty="0">
               <a:latin typeface="Meiryo UI" panose="020B0604030504040204" pitchFamily="50" charset="-128"/>
               <a:ea typeface="Meiryo UI" panose="020B0604030504040204" pitchFamily="50" charset="-128"/>
             </a:endParaRPr>
           </a:p>
         </p:txBody>
       </p:sp>
+      <p:pic>
+        <p:nvPicPr>
+          <p:cNvPr id="3" name="図 2">
+            <a:extLst>
+              <a:ext uri="{FF2B5EF4-FFF2-40B4-BE49-F238E27FC236}">
+                <a16:creationId xmlns:a16="http://schemas.microsoft.com/office/drawing/2014/main" id="{95852277-1094-4D87-839D-1383A9CAD42F}"/>
+              </a:ext>
+            </a:extLst>
+          </p:cNvPr>
+          <p:cNvPicPr>
+            <a:picLocks noChangeAspect="1"/>
+          </p:cNvPicPr>
+          <p:nvPr/>
+        </p:nvPicPr>
+        <p:blipFill>
+          <a:blip r:embed="rId2">
+            <a:extLst>
+              <a:ext uri="{28A0092B-C50C-407E-A947-70E740481C1C}">
+                <a14:useLocalDpi xmlns:a14="http://schemas.microsoft.com/office/drawing/2010/main" val="0"/>
+              </a:ext>
+            </a:extLst>
+          </a:blip>
+          <a:stretch>
+            <a:fillRect/>
+          </a:stretch>
+        </p:blipFill>
+        <p:spPr>
+          <a:xfrm>
+            <a:off x="2896146" y="2122655"/>
+            <a:ext cx="4113709" cy="4113709"/>
+          </a:xfrm>
+          <a:prstGeom prst="rect">
+            <a:avLst/>
+          </a:prstGeom>
+        </p:spPr>
+      </p:pic>
     </p:spTree>
     <p:extLst>
       <p:ext uri="{BB962C8B-B14F-4D97-AF65-F5344CB8AC3E}">

--- a/misc/orientation.pptx
+++ b/misc/orientation.pptx
@@ -204,7 +204,7 @@
           <a:p>
             <a:fld id="{2591FCD0-B8C7-43EC-BA9F-53BD487292F1}" type="datetimeFigureOut">
               <a:rPr kumimoji="1" lang="ja-JP" altLang="en-US" smtClean="0"/>
-              <a:t>2018/4/11</a:t>
+              <a:t>2018/4/12</a:t>
             </a:fld>
             <a:endParaRPr kumimoji="1" lang="ja-JP" altLang="en-US"/>
           </a:p>
@@ -370,7 +370,7 @@
           <a:p>
             <a:fld id="{4AE2D7C5-72EE-4BC2-933C-BBA94AE98395}" type="datetimeFigureOut">
               <a:rPr kumimoji="1" lang="ja-JP" altLang="en-US" smtClean="0"/>
-              <a:t>2018/4/11</a:t>
+              <a:t>2018/4/12</a:t>
             </a:fld>
             <a:endParaRPr kumimoji="1" lang="ja-JP" altLang="en-US"/>
           </a:p>
@@ -801,7 +801,7 @@
           <a:p>
             <a:fld id="{8F159F2F-65EB-4623-82CF-9DED3B93D112}" type="datetime1">
               <a:rPr kumimoji="1" lang="ja-JP" altLang="en-US" smtClean="0"/>
-              <a:t>2018/4/11</a:t>
+              <a:t>2018/4/12</a:t>
             </a:fld>
             <a:endParaRPr kumimoji="1" lang="ja-JP" altLang="en-US"/>
           </a:p>
@@ -1003,7 +1003,7 @@
           <a:p>
             <a:fld id="{C9646FE8-E88D-44D8-B7FF-BC9B39D6BF8A}" type="datetime1">
               <a:rPr kumimoji="1" lang="ja-JP" altLang="en-US" smtClean="0"/>
-              <a:t>2018/4/11</a:t>
+              <a:t>2018/4/12</a:t>
             </a:fld>
             <a:endParaRPr kumimoji="1" lang="ja-JP" altLang="en-US"/>
           </a:p>
@@ -1216,7 +1216,7 @@
           <a:p>
             <a:fld id="{954749A5-2F65-4BAA-83B4-DA51DD41D7E1}" type="datetime1">
               <a:rPr kumimoji="1" lang="ja-JP" altLang="en-US" smtClean="0"/>
-              <a:t>2018/4/11</a:t>
+              <a:t>2018/4/12</a:t>
             </a:fld>
             <a:endParaRPr kumimoji="1" lang="ja-JP" altLang="en-US"/>
           </a:p>
@@ -1418,7 +1418,7 @@
           <a:p>
             <a:fld id="{68CF49BB-3574-49D0-A19F-181334745203}" type="datetime1">
               <a:rPr kumimoji="1" lang="ja-JP" altLang="en-US" smtClean="0"/>
-              <a:t>2018/4/11</a:t>
+              <a:t>2018/4/12</a:t>
             </a:fld>
             <a:endParaRPr kumimoji="1" lang="ja-JP" altLang="en-US"/>
           </a:p>
@@ -1662,7 +1662,7 @@
           <a:p>
             <a:fld id="{6E29CEC1-4E11-4AFE-A50A-88C0088C2C69}" type="datetime1">
               <a:rPr kumimoji="1" lang="ja-JP" altLang="en-US" smtClean="0"/>
-              <a:t>2018/4/11</a:t>
+              <a:t>2018/4/12</a:t>
             </a:fld>
             <a:endParaRPr kumimoji="1" lang="ja-JP" altLang="en-US"/>
           </a:p>
@@ -1958,7 +1958,7 @@
           <a:p>
             <a:fld id="{BBEA4492-E17F-4AA3-AD13-E5FA08F28A2B}" type="datetime1">
               <a:rPr kumimoji="1" lang="ja-JP" altLang="en-US" smtClean="0"/>
-              <a:t>2018/4/11</a:t>
+              <a:t>2018/4/12</a:t>
             </a:fld>
             <a:endParaRPr kumimoji="1" lang="ja-JP" altLang="en-US"/>
           </a:p>
@@ -2389,7 +2389,7 @@
           <a:p>
             <a:fld id="{AF29C1F7-953B-4024-85CE-6A293BBFB8FD}" type="datetime1">
               <a:rPr kumimoji="1" lang="ja-JP" altLang="en-US" smtClean="0"/>
-              <a:t>2018/4/11</a:t>
+              <a:t>2018/4/12</a:t>
             </a:fld>
             <a:endParaRPr kumimoji="1" lang="ja-JP" altLang="en-US"/>
           </a:p>
@@ -2507,7 +2507,7 @@
           <a:p>
             <a:fld id="{FB0D7A7F-02D8-4F5F-B00C-6C3B62A4662C}" type="datetime1">
               <a:rPr kumimoji="1" lang="ja-JP" altLang="en-US" smtClean="0"/>
-              <a:t>2018/4/11</a:t>
+              <a:t>2018/4/12</a:t>
             </a:fld>
             <a:endParaRPr kumimoji="1" lang="ja-JP" altLang="en-US"/>
           </a:p>
@@ -2602,7 +2602,7 @@
           <a:p>
             <a:fld id="{ADBCCB87-9253-41BA-9E2A-0EFEC281B374}" type="datetime1">
               <a:rPr kumimoji="1" lang="ja-JP" altLang="en-US" smtClean="0"/>
-              <a:t>2018/4/11</a:t>
+              <a:t>2018/4/12</a:t>
             </a:fld>
             <a:endParaRPr kumimoji="1" lang="ja-JP" altLang="en-US"/>
           </a:p>
@@ -2911,7 +2911,7 @@
           <a:p>
             <a:fld id="{C9646FE8-E88D-44D8-B7FF-BC9B39D6BF8A}" type="datetime1">
               <a:rPr kumimoji="1" lang="ja-JP" altLang="en-US" smtClean="0"/>
-              <a:t>2018/4/11</a:t>
+              <a:t>2018/4/12</a:t>
             </a:fld>
             <a:endParaRPr kumimoji="1" lang="ja-JP" altLang="en-US"/>
           </a:p>
@@ -3169,7 +3169,7 @@
           <a:p>
             <a:fld id="{FF738E3C-5E22-453C-AFCB-AC7FA6982C25}" type="datetime1">
               <a:rPr kumimoji="1" lang="ja-JP" altLang="en-US" smtClean="0"/>
-              <a:t>2018/4/11</a:t>
+              <a:t>2018/4/12</a:t>
             </a:fld>
             <a:endParaRPr kumimoji="1" lang="ja-JP" altLang="en-US"/>
           </a:p>
@@ -3414,7 +3414,7 @@
           <a:p>
             <a:fld id="{C9646FE8-E88D-44D8-B7FF-BC9B39D6BF8A}" type="datetime1">
               <a:rPr kumimoji="1" lang="ja-JP" altLang="en-US" smtClean="0"/>
-              <a:t>2018/4/11</a:t>
+              <a:t>2018/4/12</a:t>
             </a:fld>
             <a:endParaRPr kumimoji="1" lang="ja-JP" altLang="en-US"/>
           </a:p>
@@ -3828,8 +3828,8 @@
         </p:nvSpPr>
         <p:spPr>
           <a:xfrm>
-            <a:off x="336191" y="254015"/>
-            <a:ext cx="9233618" cy="1323439"/>
+            <a:off x="1220910" y="254015"/>
+            <a:ext cx="7539243" cy="2195473"/>
           </a:xfrm>
           <a:prstGeom prst="rect">
             <a:avLst/>
@@ -3844,27 +3844,55 @@
           <a:p>
             <a:pPr>
               <a:spcBef>
-                <a:spcPts val="2167"/>
+                <a:spcPts val="1000"/>
               </a:spcBef>
               <a:spcAft>
-                <a:spcPts val="2167"/>
+                <a:spcPts val="1000"/>
               </a:spcAft>
             </a:pPr>
             <a:r>
-              <a:rPr lang="en-US" altLang="ja-JP" sz="8000">
+              <a:rPr lang="en-US" altLang="ja-JP" sz="6000" dirty="0">
                 <a:latin typeface="Meiryo UI" panose="020B0604030504040204" pitchFamily="50" charset="-128"/>
                 <a:ea typeface="Meiryo UI" panose="020B0604030504040204" pitchFamily="50" charset="-128"/>
               </a:rPr>
-              <a:t>4/12</a:t>
-            </a:r>
-            <a:r>
-              <a:rPr lang="ja-JP" altLang="en-US" sz="8000">
+              <a:t>4/12 5</a:t>
+            </a:r>
+            <a:r>
+              <a:rPr lang="ja-JP" altLang="en-US" sz="6000" dirty="0">
+                <a:latin typeface="Meiryo UI" panose="020B0604030504040204" pitchFamily="50" charset="-128"/>
+                <a:ea typeface="Meiryo UI" panose="020B0604030504040204" pitchFamily="50" charset="-128"/>
+              </a:rPr>
+              <a:t>年生向け</a:t>
+            </a:r>
+            <a:endParaRPr lang="en-US" altLang="ja-JP" sz="6000" dirty="0">
+              <a:latin typeface="Meiryo UI" panose="020B0604030504040204" pitchFamily="50" charset="-128"/>
+              <a:ea typeface="Meiryo UI" panose="020B0604030504040204" pitchFamily="50" charset="-128"/>
+            </a:endParaRPr>
+          </a:p>
+          <a:p>
+            <a:pPr>
+              <a:spcBef>
+                <a:spcPts val="1000"/>
+              </a:spcBef>
+              <a:spcAft>
+                <a:spcPts val="1000"/>
+              </a:spcAft>
+            </a:pPr>
+            <a:r>
+              <a:rPr lang="en-US" altLang="ja-JP" sz="6000" dirty="0">
+                <a:latin typeface="Meiryo UI" panose="020B0604030504040204" pitchFamily="50" charset="-128"/>
+                <a:ea typeface="Meiryo UI" panose="020B0604030504040204" pitchFamily="50" charset="-128"/>
+              </a:rPr>
+              <a:t>        </a:t>
+            </a:r>
+            <a:r>
+              <a:rPr lang="ja-JP" altLang="en-US" sz="6000" dirty="0">
                 <a:latin typeface="Meiryo UI" panose="020B0604030504040204" pitchFamily="50" charset="-128"/>
                 <a:ea typeface="Meiryo UI" panose="020B0604030504040204" pitchFamily="50" charset="-128"/>
               </a:rPr>
               <a:t>オリエンテーション</a:t>
             </a:r>
-            <a:endParaRPr lang="en-US" altLang="ja-JP" sz="8000" dirty="0">
+            <a:endParaRPr lang="en-US" altLang="ja-JP" sz="6000" dirty="0">
               <a:latin typeface="Meiryo UI" panose="020B0604030504040204" pitchFamily="50" charset="-128"/>
               <a:ea typeface="Meiryo UI" panose="020B0604030504040204" pitchFamily="50" charset="-128"/>
             </a:endParaRPr>
@@ -3899,8 +3927,8 @@
         </p:blipFill>
         <p:spPr>
           <a:xfrm>
-            <a:off x="2896146" y="2122655"/>
-            <a:ext cx="4113709" cy="4113709"/>
+            <a:off x="3384716" y="2611225"/>
+            <a:ext cx="3625139" cy="3625139"/>
           </a:xfrm>
           <a:prstGeom prst="rect">
             <a:avLst/>
